--- a/Explanation.pptx
+++ b/Explanation.pptx
@@ -11,6 +11,7 @@
     <p:sldId id="263" r:id="rId5"/>
     <p:sldId id="262" r:id="rId6"/>
     <p:sldId id="261" r:id="rId7"/>
+    <p:sldId id="264" r:id="rId8"/>
   </p:sldIdLst>
   <p:sldSz cx="12192000" cy="6858000"/>
   <p:notesSz cx="6858000" cy="9144000"/>
@@ -109,6 +110,11 @@
       </a:defRPr>
     </a:lvl9pPr>
   </p:defaultTextStyle>
+  <p:extLst>
+    <p:ext uri="{EFAFB233-063F-42B5-8137-9DF3F51BA10A}">
+      <p15:sldGuideLst xmlns:p15="http://schemas.microsoft.com/office/powerpoint/2012/main"/>
+    </p:ext>
+  </p:extLst>
 </p:presentation>
 </file>
 
@@ -259,7 +265,7 @@
           <a:p>
             <a:fld id="{E423A4D5-09AA-433B-A9E6-B575FC93BBC8}" type="datetimeFigureOut">
               <a:rPr lang="en-US" smtClean="0"/>
-              <a:t>7/26/2024</a:t>
+              <a:t>7/31/2024</a:t>
             </a:fld>
             <a:endParaRPr lang="en-US"/>
           </a:p>
@@ -457,7 +463,7 @@
           <a:p>
             <a:fld id="{E423A4D5-09AA-433B-A9E6-B575FC93BBC8}" type="datetimeFigureOut">
               <a:rPr lang="en-US" smtClean="0"/>
-              <a:t>7/26/2024</a:t>
+              <a:t>7/31/2024</a:t>
             </a:fld>
             <a:endParaRPr lang="en-US"/>
           </a:p>
@@ -665,7 +671,7 @@
           <a:p>
             <a:fld id="{E423A4D5-09AA-433B-A9E6-B575FC93BBC8}" type="datetimeFigureOut">
               <a:rPr lang="en-US" smtClean="0"/>
-              <a:t>7/26/2024</a:t>
+              <a:t>7/31/2024</a:t>
             </a:fld>
             <a:endParaRPr lang="en-US"/>
           </a:p>
@@ -863,7 +869,7 @@
           <a:p>
             <a:fld id="{E423A4D5-09AA-433B-A9E6-B575FC93BBC8}" type="datetimeFigureOut">
               <a:rPr lang="en-US" smtClean="0"/>
-              <a:t>7/26/2024</a:t>
+              <a:t>7/31/2024</a:t>
             </a:fld>
             <a:endParaRPr lang="en-US"/>
           </a:p>
@@ -1138,7 +1144,7 @@
           <a:p>
             <a:fld id="{E423A4D5-09AA-433B-A9E6-B575FC93BBC8}" type="datetimeFigureOut">
               <a:rPr lang="en-US" smtClean="0"/>
-              <a:t>7/26/2024</a:t>
+              <a:t>7/31/2024</a:t>
             </a:fld>
             <a:endParaRPr lang="en-US"/>
           </a:p>
@@ -1403,7 +1409,7 @@
           <a:p>
             <a:fld id="{E423A4D5-09AA-433B-A9E6-B575FC93BBC8}" type="datetimeFigureOut">
               <a:rPr lang="en-US" smtClean="0"/>
-              <a:t>7/26/2024</a:t>
+              <a:t>7/31/2024</a:t>
             </a:fld>
             <a:endParaRPr lang="en-US"/>
           </a:p>
@@ -1815,7 +1821,7 @@
           <a:p>
             <a:fld id="{E423A4D5-09AA-433B-A9E6-B575FC93BBC8}" type="datetimeFigureOut">
               <a:rPr lang="en-US" smtClean="0"/>
-              <a:t>7/26/2024</a:t>
+              <a:t>7/31/2024</a:t>
             </a:fld>
             <a:endParaRPr lang="en-US"/>
           </a:p>
@@ -1956,7 +1962,7 @@
           <a:p>
             <a:fld id="{E423A4D5-09AA-433B-A9E6-B575FC93BBC8}" type="datetimeFigureOut">
               <a:rPr lang="en-US" smtClean="0"/>
-              <a:t>7/26/2024</a:t>
+              <a:t>7/31/2024</a:t>
             </a:fld>
             <a:endParaRPr lang="en-US"/>
           </a:p>
@@ -2069,7 +2075,7 @@
           <a:p>
             <a:fld id="{E423A4D5-09AA-433B-A9E6-B575FC93BBC8}" type="datetimeFigureOut">
               <a:rPr lang="en-US" smtClean="0"/>
-              <a:t>7/26/2024</a:t>
+              <a:t>7/31/2024</a:t>
             </a:fld>
             <a:endParaRPr lang="en-US"/>
           </a:p>
@@ -2380,7 +2386,7 @@
           <a:p>
             <a:fld id="{E423A4D5-09AA-433B-A9E6-B575FC93BBC8}" type="datetimeFigureOut">
               <a:rPr lang="en-US" smtClean="0"/>
-              <a:t>7/26/2024</a:t>
+              <a:t>7/31/2024</a:t>
             </a:fld>
             <a:endParaRPr lang="en-US"/>
           </a:p>
@@ -2668,7 +2674,7 @@
           <a:p>
             <a:fld id="{E423A4D5-09AA-433B-A9E6-B575FC93BBC8}" type="datetimeFigureOut">
               <a:rPr lang="en-US" smtClean="0"/>
-              <a:t>7/26/2024</a:t>
+              <a:t>7/31/2024</a:t>
             </a:fld>
             <a:endParaRPr lang="en-US"/>
           </a:p>
@@ -2909,7 +2915,7 @@
           <a:p>
             <a:fld id="{E423A4D5-09AA-433B-A9E6-B575FC93BBC8}" type="datetimeFigureOut">
               <a:rPr lang="en-US" smtClean="0"/>
-              <a:t>7/26/2024</a:t>
+              <a:t>7/31/2024</a:t>
             </a:fld>
             <a:endParaRPr lang="en-US"/>
           </a:p>
@@ -3369,9 +3375,9 @@
         <p:grpSpPr>
           <a:xfrm>
             <a:off x="2142517" y="1839084"/>
-            <a:ext cx="4927060" cy="4509844"/>
+            <a:ext cx="4927060" cy="4405915"/>
             <a:chOff x="1422670" y="856590"/>
-            <a:chExt cx="4927060" cy="4509844"/>
+            <a:chExt cx="4927060" cy="4405915"/>
           </a:xfrm>
         </p:grpSpPr>
         <p:cxnSp>
@@ -3504,7 +3510,7 @@
           </p:nvSpPr>
           <p:spPr>
             <a:xfrm>
-              <a:off x="3331723" y="4997102"/>
+              <a:off x="3417246" y="4893173"/>
               <a:ext cx="1750169" cy="369332"/>
             </a:xfrm>
             <a:prstGeom prst="rect">
@@ -4930,118 +4936,6 @@
           </a:p>
         </p:txBody>
       </p:sp>
-      <p:cxnSp>
-        <p:nvCxnSpPr>
-          <p:cNvPr id="23" name="Straight Connector 22">
-            <a:extLst>
-              <a:ext uri="{FF2B5EF4-FFF2-40B4-BE49-F238E27FC236}">
-                <a16:creationId xmlns:a16="http://schemas.microsoft.com/office/drawing/2014/main" id="{71A8C5F8-CC63-632F-48A9-BC0DEBCB3386}"/>
-              </a:ext>
-            </a:extLst>
-          </p:cNvPr>
-          <p:cNvCxnSpPr/>
-          <p:nvPr/>
-        </p:nvCxnSpPr>
-        <p:spPr>
-          <a:xfrm>
-            <a:off x="2315183" y="3326860"/>
-            <a:ext cx="1138136" cy="0"/>
-          </a:xfrm>
-          <a:prstGeom prst="line">
-            <a:avLst/>
-          </a:prstGeom>
-        </p:spPr>
-        <p:style>
-          <a:lnRef idx="2">
-            <a:schemeClr val="accent1"/>
-          </a:lnRef>
-          <a:fillRef idx="0">
-            <a:schemeClr val="accent1"/>
-          </a:fillRef>
-          <a:effectRef idx="1">
-            <a:schemeClr val="accent1"/>
-          </a:effectRef>
-          <a:fontRef idx="minor">
-            <a:schemeClr val="tx1"/>
-          </a:fontRef>
-        </p:style>
-      </p:cxnSp>
-      <p:cxnSp>
-        <p:nvCxnSpPr>
-          <p:cNvPr id="24" name="Straight Connector 23">
-            <a:extLst>
-              <a:ext uri="{FF2B5EF4-FFF2-40B4-BE49-F238E27FC236}">
-                <a16:creationId xmlns:a16="http://schemas.microsoft.com/office/drawing/2014/main" id="{2121FB6F-FC1E-D9A5-B421-4F13D6BA47F5}"/>
-              </a:ext>
-            </a:extLst>
-          </p:cNvPr>
-          <p:cNvCxnSpPr>
-            <a:cxnSpLocks/>
-          </p:cNvCxnSpPr>
-          <p:nvPr/>
-        </p:nvCxnSpPr>
-        <p:spPr>
-          <a:xfrm flipV="1">
-            <a:off x="3706238" y="3323618"/>
-            <a:ext cx="1323569" cy="3242"/>
-          </a:xfrm>
-          <a:prstGeom prst="line">
-            <a:avLst/>
-          </a:prstGeom>
-        </p:spPr>
-        <p:style>
-          <a:lnRef idx="2">
-            <a:schemeClr val="accent1"/>
-          </a:lnRef>
-          <a:fillRef idx="0">
-            <a:schemeClr val="accent1"/>
-          </a:fillRef>
-          <a:effectRef idx="1">
-            <a:schemeClr val="accent1"/>
-          </a:effectRef>
-          <a:fontRef idx="minor">
-            <a:schemeClr val="tx1"/>
-          </a:fontRef>
-        </p:style>
-      </p:cxnSp>
-      <p:cxnSp>
-        <p:nvCxnSpPr>
-          <p:cNvPr id="27" name="Straight Connector 26">
-            <a:extLst>
-              <a:ext uri="{FF2B5EF4-FFF2-40B4-BE49-F238E27FC236}">
-                <a16:creationId xmlns:a16="http://schemas.microsoft.com/office/drawing/2014/main" id="{0EB5E646-4AF8-309A-9E52-D1C9D70E2B2F}"/>
-              </a:ext>
-            </a:extLst>
-          </p:cNvPr>
-          <p:cNvCxnSpPr>
-            <a:cxnSpLocks/>
-          </p:cNvCxnSpPr>
-          <p:nvPr/>
-        </p:nvCxnSpPr>
-        <p:spPr>
-          <a:xfrm flipV="1">
-            <a:off x="5029807" y="4033739"/>
-            <a:ext cx="1323569" cy="3242"/>
-          </a:xfrm>
-          <a:prstGeom prst="line">
-            <a:avLst/>
-          </a:prstGeom>
-        </p:spPr>
-        <p:style>
-          <a:lnRef idx="2">
-            <a:schemeClr val="accent1"/>
-          </a:lnRef>
-          <a:fillRef idx="0">
-            <a:schemeClr val="accent1"/>
-          </a:fillRef>
-          <a:effectRef idx="1">
-            <a:schemeClr val="accent1"/>
-          </a:effectRef>
-          <a:fontRef idx="minor">
-            <a:schemeClr val="tx1"/>
-          </a:fontRef>
-        </p:style>
-      </p:cxnSp>
     </p:spTree>
     <p:extLst>
       <p:ext uri="{BB962C8B-B14F-4D97-AF65-F5344CB8AC3E}">
@@ -6076,6 +5970,245 @@
     <p:extLst>
       <p:ext uri="{BB962C8B-B14F-4D97-AF65-F5344CB8AC3E}">
         <p14:creationId xmlns:p14="http://schemas.microsoft.com/office/powerpoint/2010/main" val="2348564646"/>
+      </p:ext>
+    </p:extLst>
+  </p:cSld>
+  <p:clrMapOvr>
+    <a:masterClrMapping/>
+  </p:clrMapOvr>
+</p:sld>
+</file>
+
+<file path=ppt/slides/slide7.xml><?xml version="1.0" encoding="utf-8"?>
+<p:sld xmlns:a="http://schemas.openxmlformats.org/drawingml/2006/main" xmlns:r="http://schemas.openxmlformats.org/officeDocument/2006/relationships" xmlns:p="http://schemas.openxmlformats.org/presentationml/2006/main">
+  <p:cSld>
+    <p:spTree>
+      <p:nvGrpSpPr>
+        <p:cNvPr id="1" name=""/>
+        <p:cNvGrpSpPr/>
+        <p:nvPr/>
+      </p:nvGrpSpPr>
+      <p:grpSpPr>
+        <a:xfrm>
+          <a:off x="0" y="0"/>
+          <a:ext cx="0" cy="0"/>
+          <a:chOff x="0" y="0"/>
+          <a:chExt cx="0" cy="0"/>
+        </a:xfrm>
+      </p:grpSpPr>
+      <p:pic>
+        <p:nvPicPr>
+          <p:cNvPr id="1026" name="Picture 2" descr="IC sweep for &#10;35 &#10;25 &#10;20 &#10;15 &#10;10 ">
+            <a:extLst>
+              <a:ext uri="{FF2B5EF4-FFF2-40B4-BE49-F238E27FC236}">
+                <a16:creationId xmlns:a16="http://schemas.microsoft.com/office/drawing/2014/main" id="{C6D3A3B3-A311-E80B-5D83-B4715C1D1A8A}"/>
+              </a:ext>
+            </a:extLst>
+          </p:cNvPr>
+          <p:cNvPicPr>
+            <a:picLocks noChangeAspect="1" noChangeArrowheads="1"/>
+          </p:cNvPicPr>
+          <p:nvPr/>
+        </p:nvPicPr>
+        <p:blipFill>
+          <a:blip r:embed="rId2">
+            <a:extLst>
+              <a:ext uri="{28A0092B-C50C-407E-A947-70E740481C1C}">
+                <a14:useLocalDpi xmlns:a14="http://schemas.microsoft.com/office/drawing/2010/main" val="0"/>
+              </a:ext>
+            </a:extLst>
+          </a:blip>
+          <a:srcRect/>
+          <a:stretch>
+            <a:fillRect/>
+          </a:stretch>
+        </p:blipFill>
+        <p:spPr bwMode="auto">
+          <a:xfrm>
+            <a:off x="3237588" y="1143102"/>
+            <a:ext cx="5172075" cy="4124325"/>
+          </a:xfrm>
+          <a:prstGeom prst="rect">
+            <a:avLst/>
+          </a:prstGeom>
+          <a:noFill/>
+          <a:extLst>
+            <a:ext uri="{909E8E84-426E-40DD-AFC4-6F175D3DCCD1}">
+              <a14:hiddenFill xmlns:a14="http://schemas.microsoft.com/office/drawing/2010/main">
+                <a:solidFill>
+                  <a:srgbClr val="FFFFFF"/>
+                </a:solidFill>
+              </a14:hiddenFill>
+            </a:ext>
+          </a:extLst>
+        </p:spPr>
+      </p:pic>
+      <p:sp>
+        <p:nvSpPr>
+          <p:cNvPr id="4" name="TextBox 3">
+            <a:extLst>
+              <a:ext uri="{FF2B5EF4-FFF2-40B4-BE49-F238E27FC236}">
+                <a16:creationId xmlns:a16="http://schemas.microsoft.com/office/drawing/2014/main" id="{DDC95948-404C-1063-6F6A-C09FFE070176}"/>
+              </a:ext>
+            </a:extLst>
+          </p:cNvPr>
+          <p:cNvSpPr txBox="1"/>
+          <p:nvPr/>
+        </p:nvSpPr>
+        <p:spPr>
+          <a:xfrm>
+            <a:off x="4160195" y="5204138"/>
+            <a:ext cx="3677056" cy="369332"/>
+          </a:xfrm>
+          <a:prstGeom prst="rect">
+            <a:avLst/>
+          </a:prstGeom>
+          <a:noFill/>
+        </p:spPr>
+        <p:txBody>
+          <a:bodyPr wrap="square" rtlCol="0">
+            <a:spAutoFit/>
+          </a:bodyPr>
+          <a:lstStyle/>
+          <a:p>
+            <a:pPr algn="ctr"/>
+            <a:r>
+              <a:rPr lang="en-US" dirty="0"/>
+              <a:t>Magnetic Field (Arb Units)</a:t>
+            </a:r>
+          </a:p>
+        </p:txBody>
+      </p:sp>
+      <p:sp>
+        <p:nvSpPr>
+          <p:cNvPr id="5" name="TextBox 4">
+            <a:extLst>
+              <a:ext uri="{FF2B5EF4-FFF2-40B4-BE49-F238E27FC236}">
+                <a16:creationId xmlns:a16="http://schemas.microsoft.com/office/drawing/2014/main" id="{46E21ACD-40F7-B224-04F9-56EE8F99E7CC}"/>
+              </a:ext>
+            </a:extLst>
+          </p:cNvPr>
+          <p:cNvSpPr txBox="1"/>
+          <p:nvPr/>
+        </p:nvSpPr>
+        <p:spPr>
+          <a:xfrm rot="16200000">
+            <a:off x="1214394" y="3020598"/>
+            <a:ext cx="3677056" cy="369332"/>
+          </a:xfrm>
+          <a:prstGeom prst="rect">
+            <a:avLst/>
+          </a:prstGeom>
+          <a:noFill/>
+        </p:spPr>
+        <p:txBody>
+          <a:bodyPr wrap="square" rtlCol="0">
+            <a:spAutoFit/>
+          </a:bodyPr>
+          <a:lstStyle/>
+          <a:p>
+            <a:pPr algn="ctr"/>
+            <a:r>
+              <a:rPr lang="en-US" dirty="0"/>
+              <a:t>Critical Current (Arb Units)</a:t>
+            </a:r>
+          </a:p>
+        </p:txBody>
+      </p:sp>
+      <p:sp>
+        <p:nvSpPr>
+          <p:cNvPr id="6" name="Rectangle 5">
+            <a:extLst>
+              <a:ext uri="{FF2B5EF4-FFF2-40B4-BE49-F238E27FC236}">
+                <a16:creationId xmlns:a16="http://schemas.microsoft.com/office/drawing/2014/main" id="{3BA72A7F-25DD-F0A8-87B0-03E1DAD3188B}"/>
+              </a:ext>
+            </a:extLst>
+          </p:cNvPr>
+          <p:cNvSpPr/>
+          <p:nvPr/>
+        </p:nvSpPr>
+        <p:spPr>
+          <a:xfrm>
+            <a:off x="4747098" y="651753"/>
+            <a:ext cx="2227634" cy="714982"/>
+          </a:xfrm>
+          <a:prstGeom prst="rect">
+            <a:avLst/>
+          </a:prstGeom>
+          <a:solidFill>
+            <a:schemeClr val="bg1"/>
+          </a:solidFill>
+          <a:ln>
+            <a:solidFill>
+              <a:schemeClr val="bg1"/>
+            </a:solidFill>
+          </a:ln>
+        </p:spPr>
+        <p:style>
+          <a:lnRef idx="2">
+            <a:schemeClr val="accent1">
+              <a:shade val="15000"/>
+            </a:schemeClr>
+          </a:lnRef>
+          <a:fillRef idx="1">
+            <a:schemeClr val="accent1"/>
+          </a:fillRef>
+          <a:effectRef idx="0">
+            <a:schemeClr val="accent1"/>
+          </a:effectRef>
+          <a:fontRef idx="minor">
+            <a:schemeClr val="lt1"/>
+          </a:fontRef>
+        </p:style>
+        <p:txBody>
+          <a:bodyPr rtlCol="0" anchor="ctr"/>
+          <a:lstStyle/>
+          <a:p>
+            <a:pPr algn="ctr"/>
+            <a:endParaRPr lang="en-US"/>
+          </a:p>
+        </p:txBody>
+      </p:sp>
+      <p:sp>
+        <p:nvSpPr>
+          <p:cNvPr id="7" name="TextBox 6">
+            <a:extLst>
+              <a:ext uri="{FF2B5EF4-FFF2-40B4-BE49-F238E27FC236}">
+                <a16:creationId xmlns:a16="http://schemas.microsoft.com/office/drawing/2014/main" id="{42F80988-67E5-DA1C-4384-489F70D70274}"/>
+              </a:ext>
+            </a:extLst>
+          </p:cNvPr>
+          <p:cNvSpPr txBox="1"/>
+          <p:nvPr/>
+        </p:nvSpPr>
+        <p:spPr>
+          <a:xfrm>
+            <a:off x="3987797" y="535738"/>
+            <a:ext cx="4021852" cy="830997"/>
+          </a:xfrm>
+          <a:prstGeom prst="rect">
+            <a:avLst/>
+          </a:prstGeom>
+          <a:noFill/>
+        </p:spPr>
+        <p:txBody>
+          <a:bodyPr wrap="square" rtlCol="0">
+            <a:spAutoFit/>
+          </a:bodyPr>
+          <a:lstStyle/>
+          <a:p>
+            <a:pPr algn="ctr"/>
+            <a:r>
+              <a:rPr lang="en-US" sz="2400" b="1" dirty="0"/>
+              <a:t>Critical Current While Sweeping Field</a:t>
+            </a:r>
+          </a:p>
+        </p:txBody>
+      </p:sp>
+    </p:spTree>
+    <p:extLst>
+      <p:ext uri="{BB962C8B-B14F-4D97-AF65-F5344CB8AC3E}">
+        <p14:creationId xmlns:p14="http://schemas.microsoft.com/office/powerpoint/2010/main" val="4188291423"/>
       </p:ext>
     </p:extLst>
   </p:cSld>
